--- a/Presentation/Presentation-PuppetTechTalk.pptx
+++ b/Presentation/Presentation-PuppetTechTalk.pptx
@@ -5,7 +5,7 @@
     <p:sldMasterId id="2147483678" r:id="rId1"/>
   </p:sldMasterIdLst>
   <p:notesMasterIdLst>
-    <p:notesMasterId r:id="rId10"/>
+    <p:notesMasterId r:id="rId11"/>
   </p:notesMasterIdLst>
   <p:sldIdLst>
     <p:sldId id="256" r:id="rId2"/>
@@ -14,8 +14,9 @@
     <p:sldId id="263" r:id="rId5"/>
     <p:sldId id="264" r:id="rId6"/>
     <p:sldId id="261" r:id="rId7"/>
-    <p:sldId id="258" r:id="rId8"/>
-    <p:sldId id="259" r:id="rId9"/>
+    <p:sldId id="265" r:id="rId8"/>
+    <p:sldId id="258" r:id="rId9"/>
+    <p:sldId id="259" r:id="rId10"/>
   </p:sldIdLst>
   <p:sldSz cx="12192000" cy="6858000"/>
   <p:notesSz cx="6858000" cy="9144000"/>
@@ -204,7 +205,7 @@
           <a:p>
             <a:fld id="{C6CBE58F-C6D9-0045-AFC7-29C0A448F6BF}" type="datetimeFigureOut">
               <a:rPr lang="en-US" smtClean="0"/>
-              <a:t>11/21/17</a:t>
+              <a:t>11/21/2017</a:t>
             </a:fld>
             <a:endParaRPr lang="en-US"/>
           </a:p>
@@ -786,7 +787,7 @@
           <a:p>
             <a:fld id="{3F8AE3CB-435F-1048-8492-D98CAA4A67DF}" type="slidenum">
               <a:rPr lang="en-US" smtClean="0"/>
-              <a:t>8</a:t>
+              <a:t>9</a:t>
             </a:fld>
             <a:endParaRPr lang="en-US"/>
           </a:p>
@@ -1307,7 +1308,7 @@
           <a:p>
             <a:fld id="{ECEDD50A-BBCC-E648-A378-F83431DF3F5C}" type="datetimeFigureOut">
               <a:rPr lang="en-US" smtClean="0"/>
-              <a:t>11/21/17</a:t>
+              <a:t>11/21/2017</a:t>
             </a:fld>
             <a:endParaRPr lang="en-US"/>
           </a:p>
@@ -1598,7 +1599,7 @@
           <a:p>
             <a:fld id="{ECEDD50A-BBCC-E648-A378-F83431DF3F5C}" type="datetimeFigureOut">
               <a:rPr lang="en-US" smtClean="0"/>
-              <a:t>11/21/17</a:t>
+              <a:t>11/21/2017</a:t>
             </a:fld>
             <a:endParaRPr lang="en-US"/>
           </a:p>
@@ -1841,7 +1842,7 @@
           <a:p>
             <a:fld id="{ECEDD50A-BBCC-E648-A378-F83431DF3F5C}" type="datetimeFigureOut">
               <a:rPr lang="en-US" smtClean="0"/>
-              <a:t>11/21/17</a:t>
+              <a:t>11/21/2017</a:t>
             </a:fld>
             <a:endParaRPr lang="en-US"/>
           </a:p>
@@ -2376,7 +2377,7 @@
           <a:p>
             <a:fld id="{ECEDD50A-BBCC-E648-A378-F83431DF3F5C}" type="datetimeFigureOut">
               <a:rPr lang="en-US" smtClean="0"/>
-              <a:t>11/21/17</a:t>
+              <a:t>11/21/2017</a:t>
             </a:fld>
             <a:endParaRPr lang="en-US"/>
           </a:p>
@@ -2619,7 +2620,7 @@
           <a:p>
             <a:fld id="{ECEDD50A-BBCC-E648-A378-F83431DF3F5C}" type="datetimeFigureOut">
               <a:rPr lang="en-US" smtClean="0"/>
-              <a:t>11/21/17</a:t>
+              <a:t>11/21/2017</a:t>
             </a:fld>
             <a:endParaRPr lang="en-US"/>
           </a:p>
@@ -3146,7 +3147,7 @@
           <a:p>
             <a:fld id="{ECEDD50A-BBCC-E648-A378-F83431DF3F5C}" type="datetimeFigureOut">
               <a:rPr lang="en-US" smtClean="0"/>
-              <a:t>11/21/17</a:t>
+              <a:t>11/21/2017</a:t>
             </a:fld>
             <a:endParaRPr lang="en-US"/>
           </a:p>
@@ -3438,7 +3439,7 @@
           <a:p>
             <a:fld id="{ECEDD50A-BBCC-E648-A378-F83431DF3F5C}" type="datetimeFigureOut">
               <a:rPr lang="en-US" smtClean="0"/>
-              <a:t>11/21/17</a:t>
+              <a:t>11/21/2017</a:t>
             </a:fld>
             <a:endParaRPr lang="en-US"/>
           </a:p>
@@ -3607,7 +3608,7 @@
           <a:p>
             <a:fld id="{ECEDD50A-BBCC-E648-A378-F83431DF3F5C}" type="datetimeFigureOut">
               <a:rPr lang="en-US" smtClean="0"/>
-              <a:t>11/21/17</a:t>
+              <a:t>11/21/2017</a:t>
             </a:fld>
             <a:endParaRPr lang="en-US"/>
           </a:p>
@@ -3782,7 +3783,7 @@
           <a:p>
             <a:fld id="{ECEDD50A-BBCC-E648-A378-F83431DF3F5C}" type="datetimeFigureOut">
               <a:rPr lang="en-US" smtClean="0"/>
-              <a:t>11/21/17</a:t>
+              <a:t>11/21/2017</a:t>
             </a:fld>
             <a:endParaRPr lang="en-US"/>
           </a:p>
@@ -3947,7 +3948,7 @@
           <a:p>
             <a:fld id="{ECEDD50A-BBCC-E648-A378-F83431DF3F5C}" type="datetimeFigureOut">
               <a:rPr lang="en-US" smtClean="0"/>
-              <a:t>11/21/17</a:t>
+              <a:t>11/21/2017</a:t>
             </a:fld>
             <a:endParaRPr lang="en-US"/>
           </a:p>
@@ -4193,7 +4194,7 @@
           <a:p>
             <a:fld id="{ECEDD50A-BBCC-E648-A378-F83431DF3F5C}" type="datetimeFigureOut">
               <a:rPr lang="en-US" smtClean="0"/>
-              <a:t>11/21/17</a:t>
+              <a:t>11/21/2017</a:t>
             </a:fld>
             <a:endParaRPr lang="en-US"/>
           </a:p>
@@ -4485,7 +4486,7 @@
           <a:p>
             <a:fld id="{ECEDD50A-BBCC-E648-A378-F83431DF3F5C}" type="datetimeFigureOut">
               <a:rPr lang="en-US" smtClean="0"/>
-              <a:t>11/21/17</a:t>
+              <a:t>11/21/2017</a:t>
             </a:fld>
             <a:endParaRPr lang="en-US"/>
           </a:p>
@@ -4922,7 +4923,7 @@
           <a:p>
             <a:fld id="{ECEDD50A-BBCC-E648-A378-F83431DF3F5C}" type="datetimeFigureOut">
               <a:rPr lang="en-US" smtClean="0"/>
-              <a:t>11/21/17</a:t>
+              <a:t>11/21/2017</a:t>
             </a:fld>
             <a:endParaRPr lang="en-US"/>
           </a:p>
@@ -5035,7 +5036,7 @@
           <a:p>
             <a:fld id="{ECEDD50A-BBCC-E648-A378-F83431DF3F5C}" type="datetimeFigureOut">
               <a:rPr lang="en-US" smtClean="0"/>
-              <a:t>11/21/17</a:t>
+              <a:t>11/21/2017</a:t>
             </a:fld>
             <a:endParaRPr lang="en-US"/>
           </a:p>
@@ -5125,7 +5126,7 @@
           <a:p>
             <a:fld id="{ECEDD50A-BBCC-E648-A378-F83431DF3F5C}" type="datetimeFigureOut">
               <a:rPr lang="en-US" smtClean="0"/>
-              <a:t>11/21/17</a:t>
+              <a:t>11/21/2017</a:t>
             </a:fld>
             <a:endParaRPr lang="en-US"/>
           </a:p>
@@ -5403,7 +5404,7 @@
           <a:p>
             <a:fld id="{ECEDD50A-BBCC-E648-A378-F83431DF3F5C}" type="datetimeFigureOut">
               <a:rPr lang="en-US" smtClean="0"/>
-              <a:t>11/21/17</a:t>
+              <a:t>11/21/2017</a:t>
             </a:fld>
             <a:endParaRPr lang="en-US"/>
           </a:p>
@@ -5689,7 +5690,7 @@
           <a:p>
             <a:fld id="{ECEDD50A-BBCC-E648-A378-F83431DF3F5C}" type="datetimeFigureOut">
               <a:rPr lang="en-US" smtClean="0"/>
-              <a:t>11/21/17</a:t>
+              <a:t>11/21/2017</a:t>
             </a:fld>
             <a:endParaRPr lang="en-US"/>
           </a:p>
@@ -6214,7 +6215,7 @@
           <a:p>
             <a:fld id="{ECEDD50A-BBCC-E648-A378-F83431DF3F5C}" type="datetimeFigureOut">
               <a:rPr lang="en-US" smtClean="0"/>
-              <a:t>11/21/17</a:t>
+              <a:t>11/21/2017</a:t>
             </a:fld>
             <a:endParaRPr lang="en-US"/>
           </a:p>
@@ -8496,7 +8497,12 @@
             <p:ph type="title"/>
           </p:nvPr>
         </p:nvSpPr>
-        <p:spPr/>
+        <p:spPr>
+          <a:xfrm>
+            <a:off x="1231854" y="1858558"/>
+            <a:ext cx="10018713" cy="885644"/>
+          </a:xfrm>
+        </p:spPr>
         <p:txBody>
           <a:bodyPr/>
           <a:lstStyle/>
@@ -8521,8 +8527,8 @@
         </p:nvSpPr>
         <p:spPr>
           <a:xfrm>
-            <a:off x="1484311" y="0"/>
-            <a:ext cx="10018713" cy="5041232"/>
+            <a:off x="3372928" y="3102104"/>
+            <a:ext cx="7207069" cy="607254"/>
           </a:xfrm>
         </p:spPr>
         <p:txBody>
@@ -8577,109 +8583,10 @@
           <a:chExt cx="0" cy="0"/>
         </a:xfrm>
       </p:grpSpPr>
-      <p:sp>
-        <p:nvSpPr>
-          <p:cNvPr id="2" name="Title 1"/>
-          <p:cNvSpPr>
-            <a:spLocks noGrp="1"/>
-          </p:cNvSpPr>
-          <p:nvPr>
-            <p:ph type="title"/>
-          </p:nvPr>
-        </p:nvSpPr>
-        <p:spPr/>
-        <p:txBody>
-          <a:bodyPr/>
-          <a:lstStyle/>
-          <a:p>
-            <a:r>
-              <a:rPr lang="en-US" b="1" dirty="0" smtClean="0"/>
-              <a:t>Strengths</a:t>
-            </a:r>
-            <a:endParaRPr lang="en-US" b="1" dirty="0"/>
-          </a:p>
-        </p:txBody>
-      </p:sp>
-      <p:sp>
-        <p:nvSpPr>
-          <p:cNvPr id="3" name="Content Placeholder 2"/>
-          <p:cNvSpPr>
-            <a:spLocks noGrp="1"/>
-          </p:cNvSpPr>
-          <p:nvPr>
-            <p:ph idx="1"/>
-          </p:nvPr>
-        </p:nvSpPr>
-        <p:spPr>
-          <a:xfrm>
-            <a:off x="1484311" y="1913022"/>
-            <a:ext cx="10018713" cy="3902242"/>
-          </a:xfrm>
-        </p:spPr>
-        <p:txBody>
-          <a:bodyPr>
-            <a:normAutofit/>
-          </a:bodyPr>
-          <a:lstStyle/>
-          <a:p>
-            <a:r>
-              <a:rPr lang="en-US" dirty="0" smtClean="0"/>
-              <a:t>Idempotent, model-based configuration management</a:t>
-            </a:r>
-          </a:p>
-          <a:p>
-            <a:r>
-              <a:rPr lang="en-US" dirty="0" smtClean="0"/>
-              <a:t>Simple language to describe state and an engine for enforcing it</a:t>
-            </a:r>
-          </a:p>
-          <a:p>
-            <a:r>
-              <a:rPr lang="en-US" dirty="0" smtClean="0"/>
-              <a:t>Huge library of reusable modules on the Puppet Forge</a:t>
-            </a:r>
-          </a:p>
-          <a:p>
-            <a:r>
-              <a:rPr lang="en-US" dirty="0" smtClean="0"/>
-              <a:t>Robust capability to work with shell level constructs.</a:t>
-            </a:r>
-          </a:p>
-          <a:p>
-            <a:r>
-              <a:rPr lang="en-US" dirty="0" smtClean="0"/>
-              <a:t>Automation of compliance across environment; high value to enterprise.</a:t>
-            </a:r>
-          </a:p>
-          <a:p>
-            <a:r>
-              <a:rPr lang="en-US" dirty="0"/>
-              <a:t>Strong reporting and analytics </a:t>
-            </a:r>
-            <a:r>
-              <a:rPr lang="mr-IN" dirty="0" smtClean="0"/>
-              <a:t>–</a:t>
-            </a:r>
-            <a:r>
-              <a:rPr lang="en-US" dirty="0" smtClean="0"/>
-              <a:t> stats on configuration logs</a:t>
-            </a:r>
-            <a:r>
-              <a:rPr lang="en-US" dirty="0"/>
-              <a:t>, timing, resources &amp; </a:t>
-            </a:r>
-            <a:r>
-              <a:rPr lang="en-US" dirty="0" smtClean="0"/>
-              <a:t>changes.</a:t>
-            </a:r>
-            <a:endParaRPr lang="en-US" dirty="0" smtClean="0"/>
-          </a:p>
-        </p:txBody>
-      </p:sp>
     </p:spTree>
     <p:extLst>
       <p:ext uri="{BB962C8B-B14F-4D97-AF65-F5344CB8AC3E}">
-        <p14:creationId xmlns:p14="http://schemas.microsoft.com/office/powerpoint/2010/main" val="145256527"/>
+        <p14:creationId xmlns:p14="http://schemas.microsoft.com/office/powerpoint/2010/main" val="1976816086"/>
       </p:ext>
     </p:extLst>
   </p:cSld>
@@ -8730,6 +8637,156 @@
           <a:p>
             <a:r>
               <a:rPr lang="en-US" b="1" dirty="0" smtClean="0"/>
+              <a:t>Strengths</a:t>
+            </a:r>
+            <a:endParaRPr lang="en-US" b="1" dirty="0"/>
+          </a:p>
+        </p:txBody>
+      </p:sp>
+      <p:sp>
+        <p:nvSpPr>
+          <p:cNvPr id="3" name="Content Placeholder 2"/>
+          <p:cNvSpPr>
+            <a:spLocks noGrp="1"/>
+          </p:cNvSpPr>
+          <p:nvPr>
+            <p:ph idx="1"/>
+          </p:nvPr>
+        </p:nvSpPr>
+        <p:spPr>
+          <a:xfrm>
+            <a:off x="1484311" y="1913022"/>
+            <a:ext cx="10018713" cy="3902242"/>
+          </a:xfrm>
+        </p:spPr>
+        <p:txBody>
+          <a:bodyPr>
+            <a:normAutofit/>
+          </a:bodyPr>
+          <a:lstStyle/>
+          <a:p>
+            <a:r>
+              <a:rPr lang="en-US" dirty="0" smtClean="0"/>
+              <a:t>Idempotent, model-based configuration </a:t>
+            </a:r>
+            <a:r>
+              <a:rPr lang="en-US" dirty="0" smtClean="0"/>
+              <a:t>management.</a:t>
+            </a:r>
+            <a:endParaRPr lang="en-US" dirty="0" smtClean="0"/>
+          </a:p>
+          <a:p>
+            <a:r>
+              <a:rPr lang="en-US" dirty="0" smtClean="0"/>
+              <a:t>Simple language to describe state and an engine for enforcing </a:t>
+            </a:r>
+            <a:r>
+              <a:rPr lang="en-US" dirty="0" smtClean="0"/>
+              <a:t>it.</a:t>
+            </a:r>
+            <a:endParaRPr lang="en-US" dirty="0" smtClean="0"/>
+          </a:p>
+          <a:p>
+            <a:r>
+              <a:rPr lang="en-US" dirty="0" smtClean="0"/>
+              <a:t>Huge library of reusable modules on the Puppet </a:t>
+            </a:r>
+            <a:r>
+              <a:rPr lang="en-US" dirty="0" smtClean="0"/>
+              <a:t>Forge.</a:t>
+            </a:r>
+            <a:endParaRPr lang="en-US" dirty="0" smtClean="0"/>
+          </a:p>
+          <a:p>
+            <a:r>
+              <a:rPr lang="en-US" dirty="0" smtClean="0"/>
+              <a:t>Robust capability to work with shell level constructs.</a:t>
+            </a:r>
+          </a:p>
+          <a:p>
+            <a:r>
+              <a:rPr lang="en-US" dirty="0" smtClean="0"/>
+              <a:t>Automation of compliance across environment; high value to enterprise.</a:t>
+            </a:r>
+          </a:p>
+          <a:p>
+            <a:r>
+              <a:rPr lang="en-US" dirty="0"/>
+              <a:t>Strong reporting and analytics </a:t>
+            </a:r>
+            <a:r>
+              <a:rPr lang="mr-IN" dirty="0" smtClean="0"/>
+              <a:t>–</a:t>
+            </a:r>
+            <a:r>
+              <a:rPr lang="en-US" dirty="0" smtClean="0"/>
+              <a:t> stats on configuration logs</a:t>
+            </a:r>
+            <a:r>
+              <a:rPr lang="en-US" dirty="0"/>
+              <a:t>, timing, resources &amp; </a:t>
+            </a:r>
+            <a:r>
+              <a:rPr lang="en-US" dirty="0" smtClean="0"/>
+              <a:t>changes.</a:t>
+            </a:r>
+          </a:p>
+        </p:txBody>
+      </p:sp>
+    </p:spTree>
+    <p:extLst>
+      <p:ext uri="{BB962C8B-B14F-4D97-AF65-F5344CB8AC3E}">
+        <p14:creationId xmlns:p14="http://schemas.microsoft.com/office/powerpoint/2010/main" val="145256527"/>
+      </p:ext>
+    </p:extLst>
+  </p:cSld>
+  <p:clrMapOvr>
+    <a:masterClrMapping/>
+  </p:clrMapOvr>
+  <p:timing>
+    <p:tnLst>
+      <p:par>
+        <p:cTn id="1" dur="indefinite" restart="never" nodeType="tmRoot"/>
+      </p:par>
+    </p:tnLst>
+  </p:timing>
+</p:sld>
+</file>
+
+<file path=ppt/slides/slide9.xml><?xml version="1.0" encoding="utf-8"?>
+<p:sld xmlns:a="http://schemas.openxmlformats.org/drawingml/2006/main" xmlns:r="http://schemas.openxmlformats.org/officeDocument/2006/relationships" xmlns:p="http://schemas.openxmlformats.org/presentationml/2006/main">
+  <p:cSld>
+    <p:spTree>
+      <p:nvGrpSpPr>
+        <p:cNvPr id="1" name=""/>
+        <p:cNvGrpSpPr/>
+        <p:nvPr/>
+      </p:nvGrpSpPr>
+      <p:grpSpPr>
+        <a:xfrm>
+          <a:off x="0" y="0"/>
+          <a:ext cx="0" cy="0"/>
+          <a:chOff x="0" y="0"/>
+          <a:chExt cx="0" cy="0"/>
+        </a:xfrm>
+      </p:grpSpPr>
+      <p:sp>
+        <p:nvSpPr>
+          <p:cNvPr id="2" name="Title 1"/>
+          <p:cNvSpPr>
+            <a:spLocks noGrp="1"/>
+          </p:cNvSpPr>
+          <p:nvPr>
+            <p:ph type="title"/>
+          </p:nvPr>
+        </p:nvSpPr>
+        <p:spPr/>
+        <p:txBody>
+          <a:bodyPr/>
+          <a:lstStyle/>
+          <a:p>
+            <a:r>
+              <a:rPr lang="en-US" b="1" dirty="0" smtClean="0"/>
               <a:t>Limitations</a:t>
             </a:r>
             <a:endParaRPr lang="en-US" b="1" dirty="0"/>
@@ -8758,11 +8815,7 @@
           <a:p>
             <a:r>
               <a:rPr lang="en-US" dirty="0" smtClean="0"/>
-              <a:t>Steep learning curve for new users</a:t>
-            </a:r>
-            <a:r>
-              <a:rPr lang="en-US" dirty="0" smtClean="0"/>
-              <a:t>.</a:t>
+              <a:t>Steep learning curve for new users.</a:t>
             </a:r>
           </a:p>
           <a:p>
@@ -8772,9 +8825,6 @@
               </a:rPr>
               <a:t>Initial setup is difficult.</a:t>
             </a:r>
-            <a:endParaRPr lang="en-US" b="0" dirty="0" smtClean="0">
-              <a:effectLst/>
-            </a:endParaRPr>
           </a:p>
           <a:p>
             <a:r>
@@ -8787,11 +8837,7 @@
             </a:r>
             <a:r>
               <a:rPr lang="en-US" dirty="0" smtClean="0"/>
-              <a:t>masters</a:t>
-            </a:r>
-            <a:r>
-              <a:rPr lang="en-US" dirty="0" smtClean="0"/>
-              <a:t>.</a:t>
+              <a:t>masters.</a:t>
             </a:r>
           </a:p>
           <a:p>

--- a/Presentation/Presentation-PuppetTechTalk.pptx
+++ b/Presentation/Presentation-PuppetTechTalk.pptx
@@ -204,7 +204,7 @@
           <a:p>
             <a:fld id="{C6CBE58F-C6D9-0045-AFC7-29C0A448F6BF}" type="datetimeFigureOut">
               <a:rPr lang="en-US" smtClean="0"/>
-              <a:t>11/21/17</a:t>
+              <a:t>11/21/2017</a:t>
             </a:fld>
             <a:endParaRPr lang="en-US"/>
           </a:p>
@@ -1307,7 +1307,7 @@
           <a:p>
             <a:fld id="{ECEDD50A-BBCC-E648-A378-F83431DF3F5C}" type="datetimeFigureOut">
               <a:rPr lang="en-US" smtClean="0"/>
-              <a:t>11/21/17</a:t>
+              <a:t>11/21/2017</a:t>
             </a:fld>
             <a:endParaRPr lang="en-US"/>
           </a:p>
@@ -1598,7 +1598,7 @@
           <a:p>
             <a:fld id="{ECEDD50A-BBCC-E648-A378-F83431DF3F5C}" type="datetimeFigureOut">
               <a:rPr lang="en-US" smtClean="0"/>
-              <a:t>11/21/17</a:t>
+              <a:t>11/21/2017</a:t>
             </a:fld>
             <a:endParaRPr lang="en-US"/>
           </a:p>
@@ -1841,7 +1841,7 @@
           <a:p>
             <a:fld id="{ECEDD50A-BBCC-E648-A378-F83431DF3F5C}" type="datetimeFigureOut">
               <a:rPr lang="en-US" smtClean="0"/>
-              <a:t>11/21/17</a:t>
+              <a:t>11/21/2017</a:t>
             </a:fld>
             <a:endParaRPr lang="en-US"/>
           </a:p>
@@ -2376,7 +2376,7 @@
           <a:p>
             <a:fld id="{ECEDD50A-BBCC-E648-A378-F83431DF3F5C}" type="datetimeFigureOut">
               <a:rPr lang="en-US" smtClean="0"/>
-              <a:t>11/21/17</a:t>
+              <a:t>11/21/2017</a:t>
             </a:fld>
             <a:endParaRPr lang="en-US"/>
           </a:p>
@@ -2619,7 +2619,7 @@
           <a:p>
             <a:fld id="{ECEDD50A-BBCC-E648-A378-F83431DF3F5C}" type="datetimeFigureOut">
               <a:rPr lang="en-US" smtClean="0"/>
-              <a:t>11/21/17</a:t>
+              <a:t>11/21/2017</a:t>
             </a:fld>
             <a:endParaRPr lang="en-US"/>
           </a:p>
@@ -3146,7 +3146,7 @@
           <a:p>
             <a:fld id="{ECEDD50A-BBCC-E648-A378-F83431DF3F5C}" type="datetimeFigureOut">
               <a:rPr lang="en-US" smtClean="0"/>
-              <a:t>11/21/17</a:t>
+              <a:t>11/21/2017</a:t>
             </a:fld>
             <a:endParaRPr lang="en-US"/>
           </a:p>
@@ -3438,7 +3438,7 @@
           <a:p>
             <a:fld id="{ECEDD50A-BBCC-E648-A378-F83431DF3F5C}" type="datetimeFigureOut">
               <a:rPr lang="en-US" smtClean="0"/>
-              <a:t>11/21/17</a:t>
+              <a:t>11/21/2017</a:t>
             </a:fld>
             <a:endParaRPr lang="en-US"/>
           </a:p>
@@ -3607,7 +3607,7 @@
           <a:p>
             <a:fld id="{ECEDD50A-BBCC-E648-A378-F83431DF3F5C}" type="datetimeFigureOut">
               <a:rPr lang="en-US" smtClean="0"/>
-              <a:t>11/21/17</a:t>
+              <a:t>11/21/2017</a:t>
             </a:fld>
             <a:endParaRPr lang="en-US"/>
           </a:p>
@@ -3782,7 +3782,7 @@
           <a:p>
             <a:fld id="{ECEDD50A-BBCC-E648-A378-F83431DF3F5C}" type="datetimeFigureOut">
               <a:rPr lang="en-US" smtClean="0"/>
-              <a:t>11/21/17</a:t>
+              <a:t>11/21/2017</a:t>
             </a:fld>
             <a:endParaRPr lang="en-US"/>
           </a:p>
@@ -3947,7 +3947,7 @@
           <a:p>
             <a:fld id="{ECEDD50A-BBCC-E648-A378-F83431DF3F5C}" type="datetimeFigureOut">
               <a:rPr lang="en-US" smtClean="0"/>
-              <a:t>11/21/17</a:t>
+              <a:t>11/21/2017</a:t>
             </a:fld>
             <a:endParaRPr lang="en-US"/>
           </a:p>
@@ -4193,7 +4193,7 @@
           <a:p>
             <a:fld id="{ECEDD50A-BBCC-E648-A378-F83431DF3F5C}" type="datetimeFigureOut">
               <a:rPr lang="en-US" smtClean="0"/>
-              <a:t>11/21/17</a:t>
+              <a:t>11/21/2017</a:t>
             </a:fld>
             <a:endParaRPr lang="en-US"/>
           </a:p>
@@ -4485,7 +4485,7 @@
           <a:p>
             <a:fld id="{ECEDD50A-BBCC-E648-A378-F83431DF3F5C}" type="datetimeFigureOut">
               <a:rPr lang="en-US" smtClean="0"/>
-              <a:t>11/21/17</a:t>
+              <a:t>11/21/2017</a:t>
             </a:fld>
             <a:endParaRPr lang="en-US"/>
           </a:p>
@@ -4922,7 +4922,7 @@
           <a:p>
             <a:fld id="{ECEDD50A-BBCC-E648-A378-F83431DF3F5C}" type="datetimeFigureOut">
               <a:rPr lang="en-US" smtClean="0"/>
-              <a:t>11/21/17</a:t>
+              <a:t>11/21/2017</a:t>
             </a:fld>
             <a:endParaRPr lang="en-US"/>
           </a:p>
@@ -5035,7 +5035,7 @@
           <a:p>
             <a:fld id="{ECEDD50A-BBCC-E648-A378-F83431DF3F5C}" type="datetimeFigureOut">
               <a:rPr lang="en-US" smtClean="0"/>
-              <a:t>11/21/17</a:t>
+              <a:t>11/21/2017</a:t>
             </a:fld>
             <a:endParaRPr lang="en-US"/>
           </a:p>
@@ -5125,7 +5125,7 @@
           <a:p>
             <a:fld id="{ECEDD50A-BBCC-E648-A378-F83431DF3F5C}" type="datetimeFigureOut">
               <a:rPr lang="en-US" smtClean="0"/>
-              <a:t>11/21/17</a:t>
+              <a:t>11/21/2017</a:t>
             </a:fld>
             <a:endParaRPr lang="en-US"/>
           </a:p>
@@ -5403,7 +5403,7 @@
           <a:p>
             <a:fld id="{ECEDD50A-BBCC-E648-A378-F83431DF3F5C}" type="datetimeFigureOut">
               <a:rPr lang="en-US" smtClean="0"/>
-              <a:t>11/21/17</a:t>
+              <a:t>11/21/2017</a:t>
             </a:fld>
             <a:endParaRPr lang="en-US"/>
           </a:p>
@@ -5689,7 +5689,7 @@
           <a:p>
             <a:fld id="{ECEDD50A-BBCC-E648-A378-F83431DF3F5C}" type="datetimeFigureOut">
               <a:rPr lang="en-US" smtClean="0"/>
-              <a:t>11/21/17</a:t>
+              <a:t>11/21/2017</a:t>
             </a:fld>
             <a:endParaRPr lang="en-US"/>
           </a:p>
@@ -6214,7 +6214,7 @@
           <a:p>
             <a:fld id="{ECEDD50A-BBCC-E648-A378-F83431DF3F5C}" type="datetimeFigureOut">
               <a:rPr lang="en-US" smtClean="0"/>
-              <a:t>11/21/17</a:t>
+              <a:t>11/21/2017</a:t>
             </a:fld>
             <a:endParaRPr lang="en-US"/>
           </a:p>
@@ -6952,13 +6952,8 @@
             </a:pPr>
             <a:r>
               <a:rPr lang="en-US" dirty="0" smtClean="0"/>
-              <a:t>                 Version </a:t>
-            </a:r>
-            <a:r>
-              <a:rPr lang="en-US" dirty="0" smtClean="0"/>
-              <a:t>Control</a:t>
-            </a:r>
-            <a:endParaRPr lang="en-US" dirty="0" smtClean="0"/>
+              <a:t>                 Version Control</a:t>
+            </a:r>
           </a:p>
         </p:txBody>
       </p:sp>
@@ -8529,17 +8524,8 @@
             </a:pPr>
             <a:r>
               <a:rPr lang="en-US" dirty="0" smtClean="0"/>
-              <a:t>Now let’s </a:t>
-            </a:r>
-            <a:r>
-              <a:rPr lang="en-US" dirty="0" smtClean="0"/>
-              <a:t>have </a:t>
-            </a:r>
-            <a:r>
-              <a:rPr lang="en-US" dirty="0" smtClean="0"/>
-              <a:t>a look at a short clip on Puppet .. </a:t>
-            </a:r>
-            <a:endParaRPr lang="en-US" dirty="0" smtClean="0"/>
+              <a:t>Now let’s have a look at a short clip on Puppet .. </a:t>
+            </a:r>
           </a:p>
           <a:p>
             <a:pPr marL="0" indent="0" algn="ctr">
@@ -8633,60 +8619,65 @@
         </p:spPr>
         <p:txBody>
           <a:bodyPr>
-            <a:normAutofit/>
+            <a:normAutofit fontScale="92500" lnSpcReduction="10000"/>
           </a:bodyPr>
           <a:lstStyle/>
           <a:p>
             <a:r>
-              <a:rPr lang="en-US" dirty="0" smtClean="0"/>
-              <a:t>Idempotent, model-based configuration management</a:t>
-            </a:r>
-          </a:p>
-          <a:p>
-            <a:r>
-              <a:rPr lang="en-US" dirty="0" smtClean="0"/>
-              <a:t>Simple language to describe state and an engine for enforcing it</a:t>
-            </a:r>
-          </a:p>
-          <a:p>
-            <a:r>
-              <a:rPr lang="en-US" dirty="0" smtClean="0"/>
-              <a:t>Huge library of reusable modules on the Puppet Forge</a:t>
-            </a:r>
-          </a:p>
-          <a:p>
-            <a:r>
-              <a:rPr lang="en-US" dirty="0" smtClean="0"/>
-              <a:t>Robust capability to work with shell level constructs.</a:t>
-            </a:r>
-          </a:p>
-          <a:p>
-            <a:r>
-              <a:rPr lang="en-US" dirty="0" smtClean="0"/>
-              <a:t>Automation of compliance across environment; high value to enterprise.</a:t>
-            </a:r>
-          </a:p>
-          <a:p>
-            <a:r>
               <a:rPr lang="en-US" dirty="0"/>
-              <a:t>Strong reporting and analytics </a:t>
-            </a:r>
-            <a:r>
-              <a:rPr lang="mr-IN" dirty="0" smtClean="0"/>
-              <a:t>–</a:t>
-            </a:r>
-            <a:r>
-              <a:rPr lang="en-US" dirty="0" smtClean="0"/>
-              <a:t> stats on configuration logs</a:t>
-            </a:r>
+              <a:t>Idempotent, model-based configuration management.</a:t>
+            </a:r>
+          </a:p>
+          <a:p>
             <a:r>
               <a:rPr lang="en-US" dirty="0"/>
-              <a:t>, timing, resources &amp; </a:t>
-            </a:r>
-            <a:r>
-              <a:rPr lang="en-US" dirty="0" smtClean="0"/>
-              <a:t>changes.</a:t>
-            </a:r>
+              <a:t>Uses HTTP (over SSL), so can benefit from load balancers.  </a:t>
+            </a:r>
+          </a:p>
+          <a:p>
+            <a:r>
+              <a:rPr lang="en-US" dirty="0"/>
+              <a:t>Huge library of reusable modules on the Puppet Forge. </a:t>
+            </a:r>
+          </a:p>
+          <a:p>
+            <a:r>
+              <a:rPr lang="en-US" dirty="0"/>
+              <a:t>Agent can run on *Nix, Linux and Windows.</a:t>
+            </a:r>
+          </a:p>
+          <a:p>
+            <a:r>
+              <a:rPr lang="en-US" dirty="0"/>
+              <a:t>Strong reporting and analytics – stats on configuration logs, timing, resources &amp; changes.</a:t>
+            </a:r>
+          </a:p>
+          <a:p>
+            <a:r>
+              <a:rPr lang="en-US" dirty="0"/>
+              <a:t>Enterprise as well as open source GUIs, to visualize state of all nodes.</a:t>
+            </a:r>
+          </a:p>
+          <a:p>
+            <a:r>
+              <a:rPr lang="en-US" dirty="0"/>
+              <a:t>Very good documentation and strong community support.</a:t>
+            </a:r>
+          </a:p>
+          <a:p>
+            <a:r>
+              <a:rPr lang="en-US" dirty="0"/>
+              <a:t>Modules can be tested using </a:t>
+            </a:r>
+            <a:r>
+              <a:rPr lang="en-US" dirty="0" err="1"/>
+              <a:t>Rspec</a:t>
+            </a:r>
+            <a:r>
+              <a:rPr lang="en-US" dirty="0"/>
+              <a:t> before deploying on production.</a:t>
+            </a:r>
+            <a:endParaRPr lang="en-US" dirty="0" smtClean="0"/>
           </a:p>
         </p:txBody>
       </p:sp>
@@ -8770,44 +8761,58 @@
           <a:bodyPr/>
           <a:lstStyle/>
           <a:p>
+            <a:pPr marL="0" indent="0">
+              <a:buNone/>
+            </a:pPr>
+            <a:endParaRPr lang="en-US" dirty="0" smtClean="0"/>
+          </a:p>
+          <a:p>
+            <a:endParaRPr lang="en-US" smtClean="0"/>
+          </a:p>
+          <a:p>
+            <a:r>
+              <a:rPr lang="en-US" smtClean="0"/>
+              <a:t>Puppet </a:t>
+            </a:r>
+            <a:r>
+              <a:rPr lang="en-US" dirty="0"/>
+              <a:t>uses Ruby DSL for programming, which can be difficult for new users.</a:t>
+            </a:r>
+          </a:p>
+          <a:p>
+            <a:r>
+              <a:rPr lang="en-US" dirty="0"/>
+              <a:t>Puppet needs to be installed on all the nodes, along with system specific configurations</a:t>
+            </a:r>
+          </a:p>
+          <a:p>
+            <a:r>
+              <a:rPr lang="en-US" dirty="0"/>
+              <a:t>Certificate management can be difficult with multiple masters.</a:t>
+            </a:r>
+          </a:p>
+          <a:p>
+            <a:r>
+              <a:rPr lang="en-US" dirty="0"/>
+              <a:t>The changes might not be evident instantaneously due to PULL strategy.</a:t>
+            </a:r>
+          </a:p>
+          <a:p>
+            <a:r>
+              <a:rPr lang="en-US" dirty="0"/>
+              <a:t>A daemon needs always to be in running state in each agent</a:t>
+            </a:r>
             <a:r>
               <a:rPr lang="en-US" dirty="0" smtClean="0"/>
-              <a:t>Steep learning curve for new users.</a:t>
-            </a:r>
-          </a:p>
-          <a:p>
-            <a:r>
-              <a:rPr lang="en-US" b="0" dirty="0" smtClean="0">
-                <a:effectLst/>
-              </a:rPr>
-              <a:t>Initial setup is difficult.</a:t>
+              <a:t>.</a:t>
             </a:r>
           </a:p>
           <a:p>
             <a:r>
               <a:rPr lang="en-US" dirty="0" smtClean="0"/>
-              <a:t>Certificate management </a:t>
-            </a:r>
-            <a:r>
-              <a:rPr lang="en-US" dirty="0"/>
-              <a:t>difficult with multiple </a:t>
-            </a:r>
-            <a:r>
-              <a:rPr lang="en-US" dirty="0" smtClean="0"/>
-              <a:t>masters.</a:t>
-            </a:r>
-          </a:p>
-          <a:p>
-            <a:r>
-              <a:rPr lang="en-US" dirty="0" smtClean="0"/>
-              <a:t>Pull method is only available.</a:t>
-            </a:r>
-          </a:p>
-          <a:p>
-            <a:r>
-              <a:rPr lang="en-US" dirty="0" smtClean="0"/>
-              <a:t>A daemon needs always to be in running state in each agent.</a:t>
-            </a:r>
+              <a:t>Master requires good system configuration for running.</a:t>
+            </a:r>
+            <a:endParaRPr lang="en-US" dirty="0" smtClean="0"/>
           </a:p>
         </p:txBody>
       </p:sp>

--- a/Presentation/Presentation-PuppetTechTalk.pptx
+++ b/Presentation/Presentation-PuppetTechTalk.pptx
@@ -6912,7 +6912,12 @@
             <p:ph idx="1"/>
           </p:nvPr>
         </p:nvSpPr>
-        <p:spPr/>
+        <p:spPr>
+          <a:xfrm>
+            <a:off x="1484310" y="2658373"/>
+            <a:ext cx="10018713" cy="3124201"/>
+          </a:xfrm>
+        </p:spPr>
         <p:txBody>
           <a:bodyPr>
             <a:normAutofit/>
@@ -6921,7 +6926,15 @@
           <a:p>
             <a:r>
               <a:rPr lang="en-US" dirty="0" smtClean="0"/>
-              <a:t>Tens of thousands of LOC deployed every day to production.</a:t>
+              <a:t>Several lines of code</a:t>
+            </a:r>
+            <a:r>
+              <a:rPr lang="en-US" dirty="0" smtClean="0"/>
+              <a:t> </a:t>
+            </a:r>
+            <a:r>
+              <a:rPr lang="en-US" dirty="0" smtClean="0"/>
+              <a:t>deployed every day to production.</a:t>
             </a:r>
           </a:p>
           <a:p>
@@ -8812,7 +8825,6 @@
               <a:rPr lang="en-US" dirty="0" smtClean="0"/>
               <a:t>Master requires good system configuration for running.</a:t>
             </a:r>
-            <a:endParaRPr lang="en-US" dirty="0" smtClean="0"/>
           </a:p>
         </p:txBody>
       </p:sp>
